--- a/Notes and Slides/Wk5Day1-UI Layouts.pptx
+++ b/Notes and Slides/Wk5Day1-UI Layouts.pptx
@@ -5,7 +5,7 @@
     <p:sldMasterId id="2147483797" r:id="rId1"/>
   </p:sldMasterIdLst>
   <p:notesMasterIdLst>
-    <p:notesMasterId r:id="rId11"/>
+    <p:notesMasterId r:id="rId18"/>
   </p:notesMasterIdLst>
   <p:sldIdLst>
     <p:sldId id="256" r:id="rId2"/>
@@ -14,9 +14,16 @@
     <p:sldId id="265" r:id="rId5"/>
     <p:sldId id="268" r:id="rId6"/>
     <p:sldId id="266" r:id="rId7"/>
-    <p:sldId id="269" r:id="rId8"/>
-    <p:sldId id="270" r:id="rId9"/>
-    <p:sldId id="271" r:id="rId10"/>
+    <p:sldId id="272" r:id="rId8"/>
+    <p:sldId id="273" r:id="rId9"/>
+    <p:sldId id="274" r:id="rId10"/>
+    <p:sldId id="275" r:id="rId11"/>
+    <p:sldId id="276" r:id="rId12"/>
+    <p:sldId id="269" r:id="rId13"/>
+    <p:sldId id="270" r:id="rId14"/>
+    <p:sldId id="277" r:id="rId15"/>
+    <p:sldId id="271" r:id="rId16"/>
+    <p:sldId id="278" r:id="rId17"/>
   </p:sldIdLst>
   <p:sldSz cx="9144000" cy="6858000" type="screen4x3"/>
   <p:notesSz cx="6858000" cy="9144000"/>
@@ -130,12 +137,33 @@
         </p14:section>
         <p14:section name="Untitled Section" id="{40D5F567-697D-144C-AE61-72CA3F64225C}">
           <p14:sldIdLst>
+            <p14:sldId id="272"/>
+            <p14:sldId id="273"/>
+            <p14:sldId id="274"/>
+            <p14:sldId id="275"/>
+            <p14:sldId id="276"/>
             <p14:sldId id="269"/>
             <p14:sldId id="270"/>
+            <p14:sldId id="277"/>
             <p14:sldId id="271"/>
+            <p14:sldId id="278"/>
           </p14:sldIdLst>
         </p14:section>
       </p14:sectionLst>
+    </p:ext>
+    <p:ext uri="{EFAFB233-063F-42B5-8137-9DF3F51BA10A}">
+      <p15:sldGuideLst xmlns:p15="http://schemas.microsoft.com/office/powerpoint/2012/main">
+        <p15:guide id="1" orient="horz" pos="2160">
+          <p15:clr>
+            <a:srgbClr val="A4A3A4"/>
+          </p15:clr>
+        </p15:guide>
+        <p15:guide id="2" pos="2880">
+          <p15:clr>
+            <a:srgbClr val="A4A3A4"/>
+          </p15:clr>
+        </p15:guide>
+      </p15:sldGuideLst>
     </p:ext>
   </p:extLst>
 </p:presentation>
@@ -223,7 +251,7 @@
           <a:p>
             <a:fld id="{59B6F58A-1DC9-9140-A6F1-5CAF629CE03F}" type="datetimeFigureOut">
               <a:rPr lang="en-US" smtClean="0"/>
-              <a:t>4/30/16</a:t>
+              <a:t>5/8/17</a:t>
             </a:fld>
             <a:endParaRPr lang="en-US"/>
           </a:p>
@@ -1095,7 +1123,7 @@
           <a:p>
             <a:fld id="{7CE38E4D-051A-41E1-86A4-E56916468FD0}" type="datetimeFigureOut">
               <a:rPr lang="en-US" smtClean="0"/>
-              <a:t>4/30/16</a:t>
+              <a:t>5/8/17</a:t>
             </a:fld>
             <a:endParaRPr lang="en-US"/>
           </a:p>
@@ -1260,7 +1288,7 @@
           <a:p>
             <a:fld id="{7CE38E4D-051A-41E1-86A4-E56916468FD0}" type="datetimeFigureOut">
               <a:rPr lang="en-US" smtClean="0"/>
-              <a:t>4/30/16</a:t>
+              <a:t>5/8/17</a:t>
             </a:fld>
             <a:endParaRPr lang="en-US"/>
           </a:p>
@@ -1435,7 +1463,7 @@
           <a:p>
             <a:fld id="{7CE38E4D-051A-41E1-86A4-E56916468FD0}" type="datetimeFigureOut">
               <a:rPr lang="en-US" smtClean="0"/>
-              <a:t>4/30/16</a:t>
+              <a:t>5/8/17</a:t>
             </a:fld>
             <a:endParaRPr lang="en-US"/>
           </a:p>
@@ -1600,7 +1628,7 @@
           <a:p>
             <a:fld id="{7CE38E4D-051A-41E1-86A4-E56916468FD0}" type="datetimeFigureOut">
               <a:rPr lang="en-US" smtClean="0"/>
-              <a:t>4/30/16</a:t>
+              <a:t>5/8/17</a:t>
             </a:fld>
             <a:endParaRPr lang="en-US"/>
           </a:p>
@@ -1839,7 +1867,7 @@
           <a:p>
             <a:fld id="{7CE38E4D-051A-41E1-86A4-E56916468FD0}" type="datetimeFigureOut">
               <a:rPr lang="en-US" smtClean="0"/>
-              <a:t>4/30/16</a:t>
+              <a:t>5/8/17</a:t>
             </a:fld>
             <a:endParaRPr lang="en-US"/>
           </a:p>
@@ -2122,7 +2150,7 @@
           <a:p>
             <a:fld id="{7CE38E4D-051A-41E1-86A4-E56916468FD0}" type="datetimeFigureOut">
               <a:rPr lang="en-US" smtClean="0"/>
-              <a:t>4/30/16</a:t>
+              <a:t>5/8/17</a:t>
             </a:fld>
             <a:endParaRPr lang="en-US"/>
           </a:p>
@@ -2539,7 +2567,7 @@
           <a:p>
             <a:fld id="{7CE38E4D-051A-41E1-86A4-E56916468FD0}" type="datetimeFigureOut">
               <a:rPr lang="en-US" smtClean="0"/>
-              <a:t>4/30/16</a:t>
+              <a:t>5/8/17</a:t>
             </a:fld>
             <a:endParaRPr lang="en-US"/>
           </a:p>
@@ -2652,7 +2680,7 @@
           <a:p>
             <a:fld id="{7CE38E4D-051A-41E1-86A4-E56916468FD0}" type="datetimeFigureOut">
               <a:rPr lang="en-US" smtClean="0"/>
-              <a:t>4/30/16</a:t>
+              <a:t>5/8/17</a:t>
             </a:fld>
             <a:endParaRPr lang="en-US"/>
           </a:p>
@@ -2742,7 +2770,7 @@
           <a:p>
             <a:fld id="{7CE38E4D-051A-41E1-86A4-E56916468FD0}" type="datetimeFigureOut">
               <a:rPr lang="en-US" smtClean="0"/>
-              <a:t>4/30/16</a:t>
+              <a:t>5/8/17</a:t>
             </a:fld>
             <a:endParaRPr lang="en-US"/>
           </a:p>
@@ -3021,7 +3049,7 @@
           <a:p>
             <a:fld id="{7CE38E4D-051A-41E1-86A4-E56916468FD0}" type="datetimeFigureOut">
               <a:rPr lang="en-US" smtClean="0"/>
-              <a:t>4/30/16</a:t>
+              <a:t>5/8/17</a:t>
             </a:fld>
             <a:endParaRPr lang="en-US"/>
           </a:p>
@@ -3280,7 +3308,7 @@
           <a:p>
             <a:fld id="{7CE38E4D-051A-41E1-86A4-E56916468FD0}" type="datetimeFigureOut">
               <a:rPr lang="en-US" smtClean="0"/>
-              <a:t>4/30/16</a:t>
+              <a:t>5/8/17</a:t>
             </a:fld>
             <a:endParaRPr lang="en-US"/>
           </a:p>
@@ -3488,7 +3516,7 @@
           <a:p>
             <a:fld id="{7CE38E4D-051A-41E1-86A4-E56916468FD0}" type="datetimeFigureOut">
               <a:rPr lang="en-US" smtClean="0"/>
-              <a:t>4/30/16</a:t>
+              <a:t>5/8/17</a:t>
             </a:fld>
             <a:endParaRPr lang="en-US"/>
           </a:p>
@@ -4028,13 +4056,14 @@
           <a:p>
             <a:pPr algn="ctr"/>
             <a:r>
-              <a:rPr lang="en-US" dirty="0"/>
+              <a:rPr lang="en-US"/>
               <a:t>Spring </a:t>
             </a:r>
             <a:r>
-              <a:rPr lang="en-US" dirty="0" smtClean="0"/>
-              <a:t>2016</a:t>
-            </a:r>
+              <a:rPr lang="en-US" smtClean="0"/>
+              <a:t>2017</a:t>
+            </a:r>
+            <a:endParaRPr lang="en-US" dirty="0" smtClean="0"/>
           </a:p>
           <a:p>
             <a:pPr algn="ctr"/>
@@ -4058,10 +4087,1046 @@
   <p:timing>
     <p:tnLst>
       <p:par>
-        <p:cTn xmlns:p14="http://schemas.microsoft.com/office/powerpoint/2010/main" id="1" dur="indefinite" restart="never" nodeType="tmRoot"/>
+        <p:cTn id="1" dur="indefinite" restart="never" nodeType="tmRoot"/>
       </p:par>
     </p:tnLst>
   </p:timing>
+</p:sld>
+</file>
+
+<file path=ppt/slides/slide10.xml><?xml version="1.0" encoding="utf-8"?>
+<p:sld xmlns:a="http://schemas.openxmlformats.org/drawingml/2006/main" xmlns:r="http://schemas.openxmlformats.org/officeDocument/2006/relationships" xmlns:p="http://schemas.openxmlformats.org/presentationml/2006/main">
+  <p:cSld>
+    <p:spTree>
+      <p:nvGrpSpPr>
+        <p:cNvPr id="1" name=""/>
+        <p:cNvGrpSpPr/>
+        <p:nvPr/>
+      </p:nvGrpSpPr>
+      <p:grpSpPr>
+        <a:xfrm>
+          <a:off x="0" y="0"/>
+          <a:ext cx="0" cy="0"/>
+          <a:chOff x="0" y="0"/>
+          <a:chExt cx="0" cy="0"/>
+        </a:xfrm>
+      </p:grpSpPr>
+      <p:sp>
+        <p:nvSpPr>
+          <p:cNvPr id="2" name="Title 1"/>
+          <p:cNvSpPr>
+            <a:spLocks noGrp="1"/>
+          </p:cNvSpPr>
+          <p:nvPr>
+            <p:ph type="title"/>
+          </p:nvPr>
+        </p:nvSpPr>
+        <p:spPr>
+          <a:xfrm>
+            <a:off x="457200" y="457199"/>
+            <a:ext cx="8229600" cy="1687287"/>
+          </a:xfrm>
+        </p:spPr>
+        <p:txBody>
+          <a:bodyPr>
+            <a:normAutofit fontScale="90000"/>
+          </a:bodyPr>
+          <a:lstStyle/>
+          <a:p>
+            <a:r>
+              <a:rPr lang="en-US" b="1" dirty="0"/>
+              <a:t>A vertical layout </a:t>
+            </a:r>
+            <a:r>
+              <a:rPr lang="en-US" b="1" dirty="0" smtClean="0"/>
+              <a:t>with </a:t>
+            </a:r>
+            <a:r>
+              <a:rPr lang="en-US" b="1"/>
+              <a:t>buttons </a:t>
+            </a:r>
+            <a:r>
+              <a:rPr lang="en-US" b="1" smtClean="0"/>
+              <a:t>centered </a:t>
+            </a:r>
+            <a:r>
+              <a:rPr lang="en-US" b="1" dirty="0"/>
+              <a:t>horizontally</a:t>
+            </a:r>
+            <a:br>
+              <a:rPr lang="en-US" b="1" dirty="0"/>
+            </a:br>
+            <a:endParaRPr lang="en-US" dirty="0"/>
+          </a:p>
+        </p:txBody>
+      </p:sp>
+      <p:sp>
+        <p:nvSpPr>
+          <p:cNvPr id="3" name="Content Placeholder 2"/>
+          <p:cNvSpPr>
+            <a:spLocks noGrp="1"/>
+          </p:cNvSpPr>
+          <p:nvPr>
+            <p:ph idx="1"/>
+          </p:nvPr>
+        </p:nvSpPr>
+        <p:spPr>
+          <a:xfrm>
+            <a:off x="457200" y="3973828"/>
+            <a:ext cx="8229600" cy="2152334"/>
+          </a:xfrm>
+        </p:spPr>
+        <p:txBody>
+          <a:bodyPr>
+            <a:normAutofit fontScale="85000" lnSpcReduction="10000"/>
+          </a:bodyPr>
+          <a:lstStyle/>
+          <a:p>
+            <a:r>
+              <a:rPr lang="en-US" dirty="0"/>
+              <a:t>The gravity attribute for both </a:t>
+            </a:r>
+            <a:r>
+              <a:rPr lang="en-US" dirty="0" smtClean="0"/>
+              <a:t>buttons:</a:t>
+            </a:r>
+            <a:br>
+              <a:rPr lang="en-US" dirty="0" smtClean="0"/>
+            </a:br>
+            <a:r>
+              <a:rPr lang="en-US" dirty="0" err="1" smtClean="0">
+                <a:latin typeface="Courier" charset="0"/>
+                <a:ea typeface="Courier" charset="0"/>
+                <a:cs typeface="Courier" charset="0"/>
+              </a:rPr>
+              <a:t>android:gravity</a:t>
+            </a:r>
+            <a:r>
+              <a:rPr lang="en-US" dirty="0">
+                <a:latin typeface="Courier" charset="0"/>
+                <a:ea typeface="Courier" charset="0"/>
+                <a:cs typeface="Courier" charset="0"/>
+              </a:rPr>
+              <a:t>="center"</a:t>
+            </a:r>
+          </a:p>
+          <a:p>
+            <a:r>
+              <a:rPr lang="en-US" dirty="0" smtClean="0">
+                <a:latin typeface="Calibri"/>
+                <a:cs typeface="Calibri"/>
+              </a:rPr>
+              <a:t>This </a:t>
+            </a:r>
+            <a:r>
+              <a:rPr lang="en-US" dirty="0">
+                <a:latin typeface="Calibri"/>
+                <a:cs typeface="Calibri"/>
+              </a:rPr>
+              <a:t>an attribute of the LinearLayout, not the Button</a:t>
+            </a:r>
+          </a:p>
+          <a:p>
+            <a:endParaRPr lang="en-US" dirty="0"/>
+          </a:p>
+        </p:txBody>
+      </p:sp>
+      <p:pic>
+        <p:nvPicPr>
+          <p:cNvPr id="4" name="Picture 3"/>
+          <p:cNvPicPr/>
+          <p:nvPr/>
+        </p:nvPicPr>
+        <p:blipFill>
+          <a:blip r:embed="rId2">
+            <a:extLst>
+              <a:ext uri="{28A0092B-C50C-407E-A947-70E740481C1C}">
+                <a14:useLocalDpi xmlns:a14="http://schemas.microsoft.com/office/drawing/2010/main" val="0"/>
+              </a:ext>
+            </a:extLst>
+          </a:blip>
+          <a:stretch>
+            <a:fillRect/>
+          </a:stretch>
+        </p:blipFill>
+        <p:spPr>
+          <a:xfrm>
+            <a:off x="2579915" y="2144486"/>
+            <a:ext cx="3757930" cy="1270635"/>
+          </a:xfrm>
+          <a:prstGeom prst="rect">
+            <a:avLst/>
+          </a:prstGeom>
+        </p:spPr>
+      </p:pic>
+      <p:sp>
+        <p:nvSpPr>
+          <p:cNvPr id="5" name="Date Placeholder 1"/>
+          <p:cNvSpPr>
+            <a:spLocks noGrp="1"/>
+          </p:cNvSpPr>
+          <p:nvPr>
+            <p:ph type="dt" sz="half" idx="10"/>
+          </p:nvPr>
+        </p:nvSpPr>
+        <p:spPr>
+          <a:xfrm>
+            <a:off x="443345" y="6227669"/>
+            <a:ext cx="3061855" cy="457200"/>
+          </a:xfrm>
+        </p:spPr>
+        <p:txBody>
+          <a:bodyPr/>
+          <a:lstStyle/>
+          <a:p>
+            <a:pPr>
+              <a:defRPr/>
+            </a:pPr>
+            <a:r>
+              <a:rPr lang="en-US" dirty="0" err="1" smtClean="0"/>
+              <a:t>Murach's</a:t>
+            </a:r>
+            <a:r>
+              <a:rPr lang="en-US" dirty="0" smtClean="0"/>
+              <a:t> Android Programming, C5</a:t>
+            </a:r>
+            <a:endParaRPr lang="en-US" dirty="0"/>
+          </a:p>
+        </p:txBody>
+      </p:sp>
+      <p:sp>
+        <p:nvSpPr>
+          <p:cNvPr id="6" name="Footer Placeholder 2"/>
+          <p:cNvSpPr>
+            <a:spLocks noGrp="1"/>
+          </p:cNvSpPr>
+          <p:nvPr>
+            <p:ph type="ftr" sz="quarter" idx="11"/>
+          </p:nvPr>
+        </p:nvSpPr>
+        <p:spPr>
+          <a:xfrm>
+            <a:off x="3505200" y="6227669"/>
+            <a:ext cx="5181600" cy="457200"/>
+          </a:xfrm>
+        </p:spPr>
+        <p:txBody>
+          <a:bodyPr/>
+          <a:lstStyle/>
+          <a:p>
+            <a:pPr>
+              <a:defRPr/>
+            </a:pPr>
+            <a:r>
+              <a:rPr lang="en-US" dirty="0" smtClean="0"/>
+              <a:t>© 2015, Mike Murach &amp; Associates, Inc., modified by Brian Bird 2016</a:t>
+            </a:r>
+            <a:endParaRPr lang="en-US" dirty="0"/>
+          </a:p>
+        </p:txBody>
+      </p:sp>
+    </p:spTree>
+    <p:extLst>
+      <p:ext uri="{BB962C8B-B14F-4D97-AF65-F5344CB8AC3E}">
+        <p14:creationId xmlns:p14="http://schemas.microsoft.com/office/powerpoint/2010/main" val="1528954104"/>
+      </p:ext>
+    </p:extLst>
+  </p:cSld>
+  <p:clrMapOvr>
+    <a:masterClrMapping/>
+  </p:clrMapOvr>
+</p:sld>
+</file>
+
+<file path=ppt/slides/slide11.xml><?xml version="1.0" encoding="utf-8"?>
+<p:sld xmlns:a="http://schemas.openxmlformats.org/drawingml/2006/main" xmlns:r="http://schemas.openxmlformats.org/officeDocument/2006/relationships" xmlns:p="http://schemas.openxmlformats.org/presentationml/2006/main">
+  <p:cSld>
+    <p:spTree>
+      <p:nvGrpSpPr>
+        <p:cNvPr id="1" name=""/>
+        <p:cNvGrpSpPr/>
+        <p:nvPr/>
+      </p:nvGrpSpPr>
+      <p:grpSpPr>
+        <a:xfrm>
+          <a:off x="0" y="0"/>
+          <a:ext cx="0" cy="0"/>
+          <a:chOff x="0" y="0"/>
+          <a:chExt cx="0" cy="0"/>
+        </a:xfrm>
+      </p:grpSpPr>
+      <p:sp>
+        <p:nvSpPr>
+          <p:cNvPr id="2" name="Title 1"/>
+          <p:cNvSpPr>
+            <a:spLocks noGrp="1"/>
+          </p:cNvSpPr>
+          <p:nvPr>
+            <p:ph type="title"/>
+          </p:nvPr>
+        </p:nvSpPr>
+        <p:spPr/>
+        <p:txBody>
+          <a:bodyPr/>
+          <a:lstStyle/>
+          <a:p>
+            <a:r>
+              <a:rPr lang="en-US" dirty="0"/>
+              <a:t>gravity vs. </a:t>
+            </a:r>
+            <a:r>
+              <a:rPr lang="en-US" dirty="0" err="1"/>
+              <a:t>layout_gravity</a:t>
+            </a:r>
+            <a:endParaRPr lang="en-US" dirty="0"/>
+          </a:p>
+        </p:txBody>
+      </p:sp>
+      <p:sp>
+        <p:nvSpPr>
+          <p:cNvPr id="3" name="Content Placeholder 2"/>
+          <p:cNvSpPr>
+            <a:spLocks noGrp="1"/>
+          </p:cNvSpPr>
+          <p:nvPr>
+            <p:ph idx="1"/>
+          </p:nvPr>
+        </p:nvSpPr>
+        <p:spPr/>
+        <p:txBody>
+          <a:bodyPr>
+            <a:normAutofit fontScale="85000" lnSpcReduction="20000"/>
+          </a:bodyPr>
+          <a:lstStyle/>
+          <a:p>
+            <a:pPr eaLnBrk="0" hangingPunct="0">
+              <a:spcBef>
+                <a:spcPct val="30000"/>
+              </a:spcBef>
+              <a:defRPr/>
+            </a:pPr>
+            <a:r>
+              <a:rPr lang="en-US" dirty="0"/>
+              <a:t>gravity attribute</a:t>
+            </a:r>
+          </a:p>
+          <a:p>
+            <a:pPr lvl="1" eaLnBrk="0" hangingPunct="0">
+              <a:spcBef>
+                <a:spcPct val="30000"/>
+              </a:spcBef>
+              <a:defRPr/>
+            </a:pPr>
+            <a:r>
+              <a:rPr lang="en-US" dirty="0"/>
+              <a:t>Determines how the </a:t>
+            </a:r>
+            <a:r>
+              <a:rPr lang="en-US" u="sng" dirty="0"/>
+              <a:t>items contained</a:t>
+            </a:r>
+            <a:r>
+              <a:rPr lang="en-US" dirty="0"/>
+              <a:t> by this item will be positioned.</a:t>
+            </a:r>
+          </a:p>
+          <a:p>
+            <a:pPr lvl="1" eaLnBrk="0" hangingPunct="0">
+              <a:spcBef>
+                <a:spcPct val="30000"/>
+              </a:spcBef>
+              <a:defRPr/>
+            </a:pPr>
+            <a:r>
+              <a:rPr lang="en-US" sz="2000" dirty="0">
+                <a:hlinkClick r:id="rId2"/>
+              </a:rPr>
+              <a:t>https://developer.android.com/reference/android/widget/LinearLayout.html#attr_android:gravity</a:t>
+            </a:r>
+            <a:endParaRPr lang="en-US" sz="2000" dirty="0"/>
+          </a:p>
+          <a:p>
+            <a:r>
+              <a:rPr lang="en-US" dirty="0" err="1"/>
+              <a:t>layout_gravity</a:t>
+            </a:r>
+            <a:r>
+              <a:rPr lang="en-US" dirty="0"/>
+              <a:t> attribute</a:t>
+            </a:r>
+          </a:p>
+          <a:p>
+            <a:pPr lvl="1"/>
+            <a:r>
+              <a:rPr lang="en-US" dirty="0"/>
+              <a:t>Tells it’s parent how </a:t>
+            </a:r>
+            <a:r>
+              <a:rPr lang="en-US" u="sng" dirty="0"/>
+              <a:t>this item</a:t>
+            </a:r>
+            <a:r>
+              <a:rPr lang="en-US" dirty="0"/>
+              <a:t> should be positioned.</a:t>
+            </a:r>
+          </a:p>
+          <a:p>
+            <a:pPr lvl="1"/>
+            <a:r>
+              <a:rPr lang="en-US" sz="2000" dirty="0">
+                <a:hlinkClick r:id="rId3"/>
+              </a:rPr>
+              <a:t>https://developer.android.com/reference/android/widget/LinearLayout.LayoutParams.html#attr_android:layout_gravity</a:t>
+            </a:r>
+            <a:r>
+              <a:rPr lang="en-US" sz="2000" dirty="0"/>
+              <a:t> </a:t>
+            </a:r>
+          </a:p>
+          <a:p>
+            <a:endParaRPr lang="en-US" dirty="0"/>
+          </a:p>
+        </p:txBody>
+      </p:sp>
+    </p:spTree>
+    <p:extLst>
+      <p:ext uri="{BB962C8B-B14F-4D97-AF65-F5344CB8AC3E}">
+        <p14:creationId xmlns:p14="http://schemas.microsoft.com/office/powerpoint/2010/main" val="1972825683"/>
+      </p:ext>
+    </p:extLst>
+  </p:cSld>
+  <p:clrMapOvr>
+    <a:masterClrMapping/>
+  </p:clrMapOvr>
+</p:sld>
+</file>
+
+<file path=ppt/slides/slide12.xml><?xml version="1.0" encoding="utf-8"?>
+<p:sld xmlns:a="http://schemas.openxmlformats.org/drawingml/2006/main" xmlns:r="http://schemas.openxmlformats.org/officeDocument/2006/relationships" xmlns:p="http://schemas.openxmlformats.org/presentationml/2006/main">
+  <p:cSld>
+    <p:spTree>
+      <p:nvGrpSpPr>
+        <p:cNvPr id="1" name=""/>
+        <p:cNvGrpSpPr/>
+        <p:nvPr/>
+      </p:nvGrpSpPr>
+      <p:grpSpPr>
+        <a:xfrm>
+          <a:off x="0" y="0"/>
+          <a:ext cx="0" cy="0"/>
+          <a:chOff x="0" y="0"/>
+          <a:chExt cx="0" cy="0"/>
+        </a:xfrm>
+      </p:grpSpPr>
+      <p:sp>
+        <p:nvSpPr>
+          <p:cNvPr id="2" name="Title 1"/>
+          <p:cNvSpPr>
+            <a:spLocks noGrp="1"/>
+          </p:cNvSpPr>
+          <p:nvPr>
+            <p:ph type="title"/>
+          </p:nvPr>
+        </p:nvSpPr>
+        <p:spPr>
+          <a:xfrm>
+            <a:off x="457200" y="457200"/>
+            <a:ext cx="6259874" cy="1143000"/>
+          </a:xfrm>
+        </p:spPr>
+        <p:txBody>
+          <a:bodyPr/>
+          <a:lstStyle/>
+          <a:p>
+            <a:r>
+              <a:rPr lang="en-US" dirty="0"/>
+              <a:t>Relative Layout</a:t>
+            </a:r>
+          </a:p>
+        </p:txBody>
+      </p:sp>
+      <p:sp>
+        <p:nvSpPr>
+          <p:cNvPr id="3" name="Content Placeholder 2"/>
+          <p:cNvSpPr>
+            <a:spLocks noGrp="1"/>
+          </p:cNvSpPr>
+          <p:nvPr>
+            <p:ph idx="1"/>
+          </p:nvPr>
+        </p:nvSpPr>
+        <p:spPr/>
+        <p:txBody>
+          <a:bodyPr/>
+          <a:lstStyle/>
+          <a:p>
+            <a:r>
+              <a:rPr lang="en-US" dirty="0"/>
+              <a:t>The position of widgets is relative to the layout or to other widgets</a:t>
+            </a:r>
+          </a:p>
+          <a:p>
+            <a:r>
+              <a:rPr lang="en-US" dirty="0"/>
+              <a:t>Eliminates the need for nested layouts (better performance)</a:t>
+            </a:r>
+          </a:p>
+          <a:p>
+            <a:endParaRPr lang="en-US" dirty="0"/>
+          </a:p>
+          <a:p>
+            <a:endParaRPr lang="en-US" dirty="0"/>
+          </a:p>
+        </p:txBody>
+      </p:sp>
+      <p:pic>
+        <p:nvPicPr>
+          <p:cNvPr id="5" name="Picture 4"/>
+          <p:cNvPicPr>
+            <a:picLocks noChangeAspect="1"/>
+          </p:cNvPicPr>
+          <p:nvPr/>
+        </p:nvPicPr>
+        <p:blipFill>
+          <a:blip r:embed="rId2"/>
+          <a:stretch>
+            <a:fillRect/>
+          </a:stretch>
+        </p:blipFill>
+        <p:spPr>
+          <a:xfrm rot="10800000">
+            <a:off x="6717073" y="457200"/>
+            <a:ext cx="1790541" cy="1081513"/>
+          </a:xfrm>
+          <a:prstGeom prst="rect">
+            <a:avLst/>
+          </a:prstGeom>
+        </p:spPr>
+      </p:pic>
+    </p:spTree>
+    <p:extLst>
+      <p:ext uri="{BB962C8B-B14F-4D97-AF65-F5344CB8AC3E}">
+        <p14:creationId xmlns:p14="http://schemas.microsoft.com/office/powerpoint/2010/main" val="2517231582"/>
+      </p:ext>
+    </p:extLst>
+  </p:cSld>
+  <p:clrMapOvr>
+    <a:masterClrMapping/>
+  </p:clrMapOvr>
+</p:sld>
+</file>
+
+<file path=ppt/slides/slide13.xml><?xml version="1.0" encoding="utf-8"?>
+<p:sld xmlns:a="http://schemas.openxmlformats.org/drawingml/2006/main" xmlns:r="http://schemas.openxmlformats.org/officeDocument/2006/relationships" xmlns:p="http://schemas.openxmlformats.org/presentationml/2006/main">
+  <p:cSld>
+    <p:spTree>
+      <p:nvGrpSpPr>
+        <p:cNvPr id="1" name=""/>
+        <p:cNvGrpSpPr/>
+        <p:nvPr/>
+      </p:nvGrpSpPr>
+      <p:grpSpPr>
+        <a:xfrm>
+          <a:off x="0" y="0"/>
+          <a:ext cx="0" cy="0"/>
+          <a:chOff x="0" y="0"/>
+          <a:chExt cx="0" cy="0"/>
+        </a:xfrm>
+      </p:grpSpPr>
+      <p:sp>
+        <p:nvSpPr>
+          <p:cNvPr id="2" name="Title 1"/>
+          <p:cNvSpPr>
+            <a:spLocks noGrp="1"/>
+          </p:cNvSpPr>
+          <p:nvPr>
+            <p:ph type="title"/>
+          </p:nvPr>
+        </p:nvSpPr>
+        <p:spPr/>
+        <p:txBody>
+          <a:bodyPr>
+            <a:normAutofit fontScale="90000"/>
+          </a:bodyPr>
+          <a:lstStyle/>
+          <a:p>
+            <a:r>
+              <a:rPr lang="en-US" dirty="0"/>
+              <a:t>Positioning in a Relative Layout</a:t>
+            </a:r>
+          </a:p>
+        </p:txBody>
+      </p:sp>
+      <p:sp>
+        <p:nvSpPr>
+          <p:cNvPr id="3" name="Content Placeholder 2"/>
+          <p:cNvSpPr>
+            <a:spLocks noGrp="1"/>
+          </p:cNvSpPr>
+          <p:nvPr>
+            <p:ph idx="1"/>
+          </p:nvPr>
+        </p:nvSpPr>
+        <p:spPr/>
+        <p:txBody>
+          <a:bodyPr>
+            <a:normAutofit fontScale="85000" lnSpcReduction="10000"/>
+          </a:bodyPr>
+          <a:lstStyle/>
+          <a:p>
+            <a:pPr marL="0" indent="0">
+              <a:buNone/>
+            </a:pPr>
+            <a:r>
+              <a:rPr lang="en-US" dirty="0"/>
+              <a:t>Some of the available widget properties:</a:t>
+            </a:r>
+          </a:p>
+          <a:p>
+            <a:r>
+              <a:rPr lang="en-US" dirty="0"/>
+              <a:t>layout_alignTop – Aligns the top of this widget with the layout</a:t>
+            </a:r>
+          </a:p>
+          <a:p>
+            <a:r>
+              <a:rPr lang="en-US" dirty="0"/>
+              <a:t>layout_centerVertical – Centers this widget in the layout</a:t>
+            </a:r>
+          </a:p>
+          <a:p>
+            <a:r>
+              <a:rPr lang="en-US" dirty="0"/>
+              <a:t>layout below – Positions the top edge of this view below another widget</a:t>
+            </a:r>
+          </a:p>
+        </p:txBody>
+      </p:sp>
+    </p:spTree>
+    <p:extLst>
+      <p:ext uri="{BB962C8B-B14F-4D97-AF65-F5344CB8AC3E}">
+        <p14:creationId xmlns:p14="http://schemas.microsoft.com/office/powerpoint/2010/main" val="356838065"/>
+      </p:ext>
+    </p:extLst>
+  </p:cSld>
+  <p:clrMapOvr>
+    <a:masterClrMapping/>
+  </p:clrMapOvr>
+</p:sld>
+</file>
+
+<file path=ppt/slides/slide14.xml><?xml version="1.0" encoding="utf-8"?>
+<p:sld xmlns:a="http://schemas.openxmlformats.org/drawingml/2006/main" xmlns:r="http://schemas.openxmlformats.org/officeDocument/2006/relationships" xmlns:p="http://schemas.openxmlformats.org/presentationml/2006/main">
+  <p:cSld>
+    <p:spTree>
+      <p:nvGrpSpPr>
+        <p:cNvPr id="1" name=""/>
+        <p:cNvGrpSpPr/>
+        <p:nvPr/>
+      </p:nvGrpSpPr>
+      <p:grpSpPr>
+        <a:xfrm>
+          <a:off x="0" y="0"/>
+          <a:ext cx="0" cy="0"/>
+          <a:chOff x="0" y="0"/>
+          <a:chExt cx="0" cy="0"/>
+        </a:xfrm>
+      </p:grpSpPr>
+      <p:sp>
+        <p:nvSpPr>
+          <p:cNvPr id="2" name="Title 1"/>
+          <p:cNvSpPr>
+            <a:spLocks noGrp="1"/>
+          </p:cNvSpPr>
+          <p:nvPr>
+            <p:ph type="title"/>
+          </p:nvPr>
+        </p:nvSpPr>
+        <p:spPr>
+          <a:xfrm>
+            <a:off x="457200" y="457200"/>
+            <a:ext cx="8229600" cy="1382486"/>
+          </a:xfrm>
+        </p:spPr>
+        <p:txBody>
+          <a:bodyPr>
+            <a:normAutofit fontScale="90000"/>
+          </a:bodyPr>
+          <a:lstStyle/>
+          <a:p>
+            <a:r>
+              <a:rPr lang="en-US" smtClean="0"/>
+              <a:t>Changing Layouts for Orientation</a:t>
+            </a:r>
+            <a:endParaRPr lang="en-US"/>
+          </a:p>
+        </p:txBody>
+      </p:sp>
+      <p:pic>
+        <p:nvPicPr>
+          <p:cNvPr id="4" name="Picture 3"/>
+          <p:cNvPicPr>
+            <a:picLocks noChangeAspect="1"/>
+          </p:cNvPicPr>
+          <p:nvPr/>
+        </p:nvPicPr>
+        <p:blipFill>
+          <a:blip r:embed="rId2"/>
+          <a:stretch>
+            <a:fillRect/>
+          </a:stretch>
+        </p:blipFill>
+        <p:spPr>
+          <a:xfrm rot="5400000">
+            <a:off x="1482906" y="2784294"/>
+            <a:ext cx="2901587" cy="1752600"/>
+          </a:xfrm>
+          <a:prstGeom prst="rect">
+            <a:avLst/>
+          </a:prstGeom>
+        </p:spPr>
+      </p:pic>
+      <p:pic>
+        <p:nvPicPr>
+          <p:cNvPr id="5" name="Picture 4"/>
+          <p:cNvPicPr>
+            <a:picLocks noChangeAspect="1"/>
+          </p:cNvPicPr>
+          <p:nvPr/>
+        </p:nvPicPr>
+        <p:blipFill>
+          <a:blip r:embed="rId2"/>
+          <a:stretch>
+            <a:fillRect/>
+          </a:stretch>
+        </p:blipFill>
+        <p:spPr>
+          <a:xfrm rot="10800000">
+            <a:off x="4800600" y="2590800"/>
+            <a:ext cx="3113358" cy="1779424"/>
+          </a:xfrm>
+          <a:prstGeom prst="rect">
+            <a:avLst/>
+          </a:prstGeom>
+        </p:spPr>
+      </p:pic>
+    </p:spTree>
+    <p:extLst>
+      <p:ext uri="{BB962C8B-B14F-4D97-AF65-F5344CB8AC3E}">
+        <p14:creationId xmlns:p14="http://schemas.microsoft.com/office/powerpoint/2010/main" val="818934504"/>
+      </p:ext>
+    </p:extLst>
+  </p:cSld>
+  <p:clrMapOvr>
+    <a:masterClrMapping/>
+  </p:clrMapOvr>
+</p:sld>
+</file>
+
+<file path=ppt/slides/slide15.xml><?xml version="1.0" encoding="utf-8"?>
+<p:sld xmlns:a="http://schemas.openxmlformats.org/drawingml/2006/main" xmlns:r="http://schemas.openxmlformats.org/officeDocument/2006/relationships" xmlns:p="http://schemas.openxmlformats.org/presentationml/2006/main">
+  <p:cSld>
+    <p:spTree>
+      <p:nvGrpSpPr>
+        <p:cNvPr id="1" name=""/>
+        <p:cNvGrpSpPr/>
+        <p:nvPr/>
+      </p:nvGrpSpPr>
+      <p:grpSpPr>
+        <a:xfrm>
+          <a:off x="0" y="0"/>
+          <a:ext cx="0" cy="0"/>
+          <a:chOff x="0" y="0"/>
+          <a:chExt cx="0" cy="0"/>
+        </a:xfrm>
+      </p:grpSpPr>
+      <p:sp>
+        <p:nvSpPr>
+          <p:cNvPr id="2" name="Title 1"/>
+          <p:cNvSpPr>
+            <a:spLocks noGrp="1"/>
+          </p:cNvSpPr>
+          <p:nvPr>
+            <p:ph type="title"/>
+          </p:nvPr>
+        </p:nvSpPr>
+        <p:spPr>
+          <a:xfrm>
+            <a:off x="457200" y="457199"/>
+            <a:ext cx="8229600" cy="1600200"/>
+          </a:xfrm>
+        </p:spPr>
+        <p:txBody>
+          <a:bodyPr>
+            <a:normAutofit fontScale="90000"/>
+          </a:bodyPr>
+          <a:lstStyle/>
+          <a:p>
+            <a:r>
+              <a:rPr lang="en-US" dirty="0" smtClean="0"/>
+              <a:t>Folder Names Identify </a:t>
+            </a:r>
+            <a:br>
+              <a:rPr lang="en-US" dirty="0" smtClean="0"/>
+            </a:br>
+            <a:r>
+              <a:rPr lang="en-US" dirty="0" smtClean="0"/>
+              <a:t>the Layout</a:t>
+            </a:r>
+            <a:endParaRPr lang="en-US" dirty="0"/>
+          </a:p>
+        </p:txBody>
+      </p:sp>
+      <p:sp>
+        <p:nvSpPr>
+          <p:cNvPr id="3" name="Content Placeholder 2"/>
+          <p:cNvSpPr>
+            <a:spLocks noGrp="1"/>
+          </p:cNvSpPr>
+          <p:nvPr>
+            <p:ph idx="1"/>
+          </p:nvPr>
+        </p:nvSpPr>
+        <p:spPr>
+          <a:xfrm>
+            <a:off x="457200" y="2057399"/>
+            <a:ext cx="8229600" cy="4068763"/>
+          </a:xfrm>
+        </p:spPr>
+        <p:txBody>
+          <a:bodyPr/>
+          <a:lstStyle/>
+          <a:p>
+            <a:r>
+              <a:rPr lang="en-US" dirty="0"/>
+              <a:t>Portrait</a:t>
+            </a:r>
+          </a:p>
+          <a:p>
+            <a:pPr lvl="1"/>
+            <a:r>
+              <a:rPr lang="en-US" dirty="0"/>
+              <a:t>Default orientation</a:t>
+            </a:r>
+          </a:p>
+          <a:p>
+            <a:pPr lvl="1"/>
+            <a:r>
+              <a:rPr lang="en-US" dirty="0"/>
+              <a:t>Folder name: layout or layout-port</a:t>
+            </a:r>
+          </a:p>
+          <a:p>
+            <a:r>
+              <a:rPr lang="en-US" dirty="0"/>
+              <a:t>Landscape</a:t>
+            </a:r>
+          </a:p>
+          <a:p>
+            <a:pPr lvl="1"/>
+            <a:r>
+              <a:rPr lang="en-US" dirty="0"/>
+              <a:t>Folder name: </a:t>
+            </a:r>
+            <a:r>
+              <a:rPr lang="en-US" dirty="0" smtClean="0"/>
+              <a:t>layout-land</a:t>
+            </a:r>
+            <a:endParaRPr lang="en-US" dirty="0"/>
+          </a:p>
+        </p:txBody>
+      </p:sp>
+      <p:pic>
+        <p:nvPicPr>
+          <p:cNvPr id="4" name="Picture 3"/>
+          <p:cNvPicPr>
+            <a:picLocks noChangeAspect="1"/>
+          </p:cNvPicPr>
+          <p:nvPr/>
+        </p:nvPicPr>
+        <p:blipFill>
+          <a:blip r:embed="rId2"/>
+          <a:stretch>
+            <a:fillRect/>
+          </a:stretch>
+        </p:blipFill>
+        <p:spPr>
+          <a:xfrm>
+            <a:off x="6617030" y="2788886"/>
+            <a:ext cx="1943100" cy="2921000"/>
+          </a:xfrm>
+          <a:prstGeom prst="rect">
+            <a:avLst/>
+          </a:prstGeom>
+          <a:solidFill>
+            <a:schemeClr val="tx2">
+              <a:lumMod val="50000"/>
+            </a:schemeClr>
+          </a:solidFill>
+        </p:spPr>
+      </p:pic>
+    </p:spTree>
+    <p:extLst>
+      <p:ext uri="{BB962C8B-B14F-4D97-AF65-F5344CB8AC3E}">
+        <p14:creationId xmlns:p14="http://schemas.microsoft.com/office/powerpoint/2010/main" val="1360863398"/>
+      </p:ext>
+    </p:extLst>
+  </p:cSld>
+  <p:clrMapOvr>
+    <a:masterClrMapping/>
+  </p:clrMapOvr>
+</p:sld>
+</file>
+
+<file path=ppt/slides/slide16.xml><?xml version="1.0" encoding="utf-8"?>
+<p:sld xmlns:a="http://schemas.openxmlformats.org/drawingml/2006/main" xmlns:r="http://schemas.openxmlformats.org/officeDocument/2006/relationships" xmlns:p="http://schemas.openxmlformats.org/presentationml/2006/main">
+  <p:cSld>
+    <p:spTree>
+      <p:nvGrpSpPr>
+        <p:cNvPr id="1" name=""/>
+        <p:cNvGrpSpPr/>
+        <p:nvPr/>
+      </p:nvGrpSpPr>
+      <p:grpSpPr>
+        <a:xfrm>
+          <a:off x="0" y="0"/>
+          <a:ext cx="0" cy="0"/>
+          <a:chOff x="0" y="0"/>
+          <a:chExt cx="0" cy="0"/>
+        </a:xfrm>
+      </p:grpSpPr>
+      <p:sp>
+        <p:nvSpPr>
+          <p:cNvPr id="2" name="Title 1"/>
+          <p:cNvSpPr>
+            <a:spLocks noGrp="1"/>
+          </p:cNvSpPr>
+          <p:nvPr>
+            <p:ph type="title"/>
+          </p:nvPr>
+        </p:nvSpPr>
+        <p:spPr>
+          <a:xfrm>
+            <a:off x="457200" y="457200"/>
+            <a:ext cx="8229600" cy="957943"/>
+          </a:xfrm>
+        </p:spPr>
+        <p:txBody>
+          <a:bodyPr/>
+          <a:lstStyle/>
+          <a:p>
+            <a:r>
+              <a:rPr lang="en-US" dirty="0" smtClean="0"/>
+              <a:t>Location of the XML Files</a:t>
+            </a:r>
+            <a:endParaRPr lang="en-US" dirty="0"/>
+          </a:p>
+        </p:txBody>
+      </p:sp>
+      <p:sp>
+        <p:nvSpPr>
+          <p:cNvPr id="3" name="Content Placeholder 2"/>
+          <p:cNvSpPr>
+            <a:spLocks noGrp="1"/>
+          </p:cNvSpPr>
+          <p:nvPr>
+            <p:ph idx="1"/>
+          </p:nvPr>
+        </p:nvSpPr>
+        <p:spPr>
+          <a:xfrm>
+            <a:off x="457200" y="2166258"/>
+            <a:ext cx="8229600" cy="3959906"/>
+          </a:xfrm>
+        </p:spPr>
+        <p:txBody>
+          <a:bodyPr>
+            <a:normAutofit/>
+          </a:bodyPr>
+          <a:lstStyle/>
+          <a:p>
+            <a:r>
+              <a:rPr lang="en-US" b="1" dirty="0" smtClean="0"/>
+              <a:t>Portrait</a:t>
+            </a:r>
+            <a:br>
+              <a:rPr lang="en-US" b="1" dirty="0" smtClean="0"/>
+            </a:br>
+            <a:r>
+              <a:rPr lang="en-US" dirty="0"/>
+              <a:t>R</a:t>
+            </a:r>
+            <a:r>
+              <a:rPr lang="en-US" dirty="0" smtClean="0"/>
+              <a:t>esources/</a:t>
+            </a:r>
+            <a:r>
+              <a:rPr lang="en-US" dirty="0" smtClean="0">
+                <a:solidFill>
+                  <a:srgbClr val="0070C0"/>
+                </a:solidFill>
+              </a:rPr>
+              <a:t>layout</a:t>
+            </a:r>
+            <a:r>
+              <a:rPr lang="en-US" dirty="0" smtClean="0"/>
+              <a:t>/</a:t>
+            </a:r>
+            <a:r>
+              <a:rPr lang="en-US" dirty="0" err="1" smtClean="0"/>
+              <a:t>activity_main.xml</a:t>
+            </a:r>
+            <a:endParaRPr lang="en-US" dirty="0"/>
+          </a:p>
+          <a:p>
+            <a:r>
+              <a:rPr lang="en-US" b="1" dirty="0" smtClean="0"/>
+              <a:t>Landscape</a:t>
+            </a:r>
+            <a:br>
+              <a:rPr lang="en-US" b="1" dirty="0" smtClean="0"/>
+            </a:br>
+            <a:r>
+              <a:rPr lang="en-US" dirty="0"/>
+              <a:t>R</a:t>
+            </a:r>
+            <a:r>
+              <a:rPr lang="en-US" dirty="0" smtClean="0"/>
+              <a:t>esources/</a:t>
+            </a:r>
+            <a:r>
+              <a:rPr lang="en-US" dirty="0" smtClean="0">
+                <a:solidFill>
+                  <a:srgbClr val="0070C0"/>
+                </a:solidFill>
+              </a:rPr>
+              <a:t>layout-land</a:t>
+            </a:r>
+            <a:r>
+              <a:rPr lang="en-US" dirty="0" smtClean="0"/>
+              <a:t>/</a:t>
+            </a:r>
+            <a:r>
+              <a:rPr lang="en-US" dirty="0" err="1" smtClean="0"/>
+              <a:t>activity_main.xml</a:t>
+            </a:r>
+            <a:endParaRPr lang="en-US" dirty="0"/>
+          </a:p>
+          <a:p>
+            <a:endParaRPr lang="en-US" dirty="0"/>
+          </a:p>
+        </p:txBody>
+      </p:sp>
+    </p:spTree>
+    <p:extLst>
+      <p:ext uri="{BB962C8B-B14F-4D97-AF65-F5344CB8AC3E}">
+        <p14:creationId xmlns:p14="http://schemas.microsoft.com/office/powerpoint/2010/main" val="1747687140"/>
+      </p:ext>
+    </p:extLst>
+  </p:cSld>
+  <p:clrMapOvr>
+    <a:masterClrMapping/>
+  </p:clrMapOvr>
 </p:sld>
 </file>
 
@@ -4124,7 +5189,7 @@
         </p:nvGraphicFramePr>
         <p:xfrm>
           <a:off x="356277" y="2033752"/>
-          <a:ext cx="3991801" cy="4298237"/>
+          <a:ext cx="3991801" cy="4298238"/>
         </p:xfrm>
         <a:graphic>
           <a:graphicData uri="http://schemas.openxmlformats.org/drawingml/2006/table">
@@ -4747,6 +5812,7 @@
                         <a:rPr lang="en-US" sz="2800" dirty="0" smtClean="0"/>
                         <a:t>the Google Play Store</a:t>
                       </a:r>
+                      <a:endParaRPr lang="en-US" sz="2800" dirty="0" smtClean="0"/>
                     </a:p>
                   </a:txBody>
                   <a:tcPr/>
@@ -4769,7 +5835,7 @@
   <p:timing>
     <p:tnLst>
       <p:par>
-        <p:cTn xmlns:p14="http://schemas.microsoft.com/office/powerpoint/2010/main" id="1" dur="indefinite" restart="never" nodeType="tmRoot"/>
+        <p:cTn id="1" dur="indefinite" restart="never" nodeType="tmRoot"/>
       </p:par>
     </p:tnLst>
   </p:timing>
@@ -5598,85 +6664,145 @@
             <p:ph type="title"/>
           </p:nvPr>
         </p:nvSpPr>
+        <p:spPr/>
+        <p:txBody>
+          <a:bodyPr>
+            <a:normAutofit fontScale="90000"/>
+          </a:bodyPr>
+          <a:lstStyle/>
+          <a:p>
+            <a:r>
+              <a:rPr lang="en-US" dirty="0" smtClean="0"/>
+              <a:t>Common LinearLayout Attributes</a:t>
+            </a:r>
+            <a:endParaRPr lang="en-US" dirty="0"/>
+          </a:p>
+        </p:txBody>
+      </p:sp>
+      <p:sp>
+        <p:nvSpPr>
+          <p:cNvPr id="3" name="Content Placeholder 2"/>
+          <p:cNvSpPr>
+            <a:spLocks noGrp="1"/>
+          </p:cNvSpPr>
+          <p:nvPr>
+            <p:ph idx="1"/>
+          </p:nvPr>
+        </p:nvSpPr>
+        <p:spPr/>
+        <p:txBody>
+          <a:bodyPr/>
+          <a:lstStyle/>
+          <a:p>
+            <a:r>
+              <a:rPr lang="en-US" dirty="0" smtClean="0">
+                <a:latin typeface="Courier" charset="0"/>
+                <a:ea typeface="Courier" charset="0"/>
+                <a:cs typeface="Courier" charset="0"/>
+              </a:rPr>
+              <a:t>orientation</a:t>
+            </a:r>
+            <a:endParaRPr lang="en-US" dirty="0">
+              <a:latin typeface="Courier" charset="0"/>
+              <a:ea typeface="Courier" charset="0"/>
+              <a:cs typeface="Courier" charset="0"/>
+            </a:endParaRPr>
+          </a:p>
+          <a:p>
+            <a:r>
+              <a:rPr lang="en-US" dirty="0">
+                <a:latin typeface="Courier" charset="0"/>
+                <a:ea typeface="Courier" charset="0"/>
+                <a:cs typeface="Courier" charset="0"/>
+              </a:rPr>
+              <a:t>weight</a:t>
+            </a:r>
+          </a:p>
+          <a:p>
+            <a:r>
+              <a:rPr lang="en-US" dirty="0">
+                <a:latin typeface="Courier" charset="0"/>
+                <a:ea typeface="Courier" charset="0"/>
+                <a:cs typeface="Courier" charset="0"/>
+              </a:rPr>
+              <a:t>gravity</a:t>
+            </a:r>
+          </a:p>
+          <a:p>
+            <a:endParaRPr lang="en-US" dirty="0"/>
+          </a:p>
+        </p:txBody>
+      </p:sp>
+      <p:sp>
+        <p:nvSpPr>
+          <p:cNvPr id="4" name="Date Placeholder 1"/>
+          <p:cNvSpPr>
+            <a:spLocks noGrp="1"/>
+          </p:cNvSpPr>
+          <p:nvPr>
+            <p:ph type="dt" sz="half" idx="10"/>
+          </p:nvPr>
+        </p:nvSpPr>
         <p:spPr>
           <a:xfrm>
-            <a:off x="457200" y="457200"/>
-            <a:ext cx="6259874" cy="1143000"/>
+            <a:off x="443345" y="6227669"/>
+            <a:ext cx="3061855" cy="457200"/>
           </a:xfrm>
         </p:spPr>
         <p:txBody>
           <a:bodyPr/>
           <a:lstStyle/>
           <a:p>
-            <a:r>
-              <a:rPr lang="en-US" dirty="0"/>
-              <a:t>Relative Layout</a:t>
-            </a:r>
-          </a:p>
-        </p:txBody>
-      </p:sp>
-      <p:sp>
-        <p:nvSpPr>
-          <p:cNvPr id="3" name="Content Placeholder 2"/>
-          <p:cNvSpPr>
-            <a:spLocks noGrp="1"/>
-          </p:cNvSpPr>
-          <p:nvPr>
-            <p:ph idx="1"/>
-          </p:nvPr>
-        </p:nvSpPr>
-        <p:spPr/>
+            <a:pPr>
+              <a:defRPr/>
+            </a:pPr>
+            <a:r>
+              <a:rPr lang="en-US" dirty="0" err="1" smtClean="0"/>
+              <a:t>Murach's</a:t>
+            </a:r>
+            <a:r>
+              <a:rPr lang="en-US" dirty="0" smtClean="0"/>
+              <a:t> Android Programming, C5</a:t>
+            </a:r>
+            <a:endParaRPr lang="en-US" dirty="0"/>
+          </a:p>
+        </p:txBody>
+      </p:sp>
+      <p:sp>
+        <p:nvSpPr>
+          <p:cNvPr id="5" name="Footer Placeholder 2"/>
+          <p:cNvSpPr>
+            <a:spLocks noGrp="1"/>
+          </p:cNvSpPr>
+          <p:nvPr>
+            <p:ph type="ftr" sz="quarter" idx="11"/>
+          </p:nvPr>
+        </p:nvSpPr>
+        <p:spPr>
+          <a:xfrm>
+            <a:off x="3505200" y="6227669"/>
+            <a:ext cx="5181600" cy="457200"/>
+          </a:xfrm>
+        </p:spPr>
         <p:txBody>
           <a:bodyPr/>
           <a:lstStyle/>
           <a:p>
-            <a:r>
-              <a:rPr lang="en-US" dirty="0"/>
-              <a:t>The position of widgets is relative to the layout or to other widgets</a:t>
-            </a:r>
-          </a:p>
-          <a:p>
-            <a:r>
-              <a:rPr lang="en-US" dirty="0"/>
-              <a:t>Eliminates the need for nested layouts (better performance)</a:t>
-            </a:r>
-          </a:p>
-          <a:p>
+            <a:pPr>
+              <a:defRPr/>
+            </a:pPr>
+            <a:r>
+              <a:rPr lang="en-US" dirty="0" smtClean="0"/>
+              <a:t>© 2015, Mike Murach &amp; Associates, Inc., modified by Brian Bird 2016</a:t>
+            </a:r>
             <a:endParaRPr lang="en-US" dirty="0"/>
           </a:p>
-          <a:p>
-            <a:endParaRPr lang="en-US" dirty="0"/>
-          </a:p>
-        </p:txBody>
-      </p:sp>
-      <p:pic>
-        <p:nvPicPr>
-          <p:cNvPr id="5" name="Picture 4"/>
-          <p:cNvPicPr>
-            <a:picLocks noChangeAspect="1"/>
-          </p:cNvPicPr>
-          <p:nvPr/>
-        </p:nvPicPr>
-        <p:blipFill>
-          <a:blip r:embed="rId2"/>
-          <a:stretch>
-            <a:fillRect/>
-          </a:stretch>
-        </p:blipFill>
-        <p:spPr>
-          <a:xfrm rot="10800000">
-            <a:off x="6717073" y="457200"/>
-            <a:ext cx="1790541" cy="1081513"/>
-          </a:xfrm>
-          <a:prstGeom prst="rect">
-            <a:avLst/>
-          </a:prstGeom>
-        </p:spPr>
-      </p:pic>
+        </p:txBody>
+      </p:sp>
     </p:spTree>
     <p:extLst>
       <p:ext uri="{BB962C8B-B14F-4D97-AF65-F5344CB8AC3E}">
-        <p14:creationId xmlns:p14="http://schemas.microsoft.com/office/powerpoint/2010/main" val="2517231582"/>
+        <p14:creationId xmlns:p14="http://schemas.microsoft.com/office/powerpoint/2010/main" val="911668522"/>
       </p:ext>
     </p:extLst>
   </p:cSld>
@@ -5713,7 +6839,12 @@
             <p:ph type="title"/>
           </p:nvPr>
         </p:nvSpPr>
-        <p:spPr/>
+        <p:spPr>
+          <a:xfrm>
+            <a:off x="457200" y="457200"/>
+            <a:ext cx="8229600" cy="1665514"/>
+          </a:xfrm>
+        </p:spPr>
         <p:txBody>
           <a:bodyPr>
             <a:normAutofit fontScale="90000"/>
@@ -5721,9 +6852,13 @@
           <a:lstStyle/>
           <a:p>
             <a:r>
-              <a:rPr lang="en-US" dirty="0"/>
-              <a:t>Positioning in a Relative Layout</a:t>
-            </a:r>
+              <a:rPr lang="en-US" b="1"/>
+              <a:t>A horizontal layout where the buttons have no weight</a:t>
+            </a:r>
+            <a:br>
+              <a:rPr lang="en-US" b="1"/>
+            </a:br>
+            <a:endParaRPr lang="en-US"/>
           </a:p>
         </p:txBody>
       </p:sp>
@@ -5737,45 +6872,150 @@
             <p:ph idx="1"/>
           </p:nvPr>
         </p:nvSpPr>
-        <p:spPr/>
-        <p:txBody>
-          <a:bodyPr>
-            <a:normAutofit fontScale="85000" lnSpcReduction="10000"/>
-          </a:bodyPr>
-          <a:lstStyle/>
-          <a:p>
-            <a:pPr marL="0" indent="0">
+        <p:spPr>
+          <a:xfrm>
+            <a:off x="457200" y="4049486"/>
+            <a:ext cx="8229600" cy="2076677"/>
+          </a:xfrm>
+        </p:spPr>
+        <p:txBody>
+          <a:bodyPr/>
+          <a:lstStyle/>
+          <a:p>
+            <a:pPr marL="0" indent="0" algn="ctr">
               <a:buNone/>
             </a:pPr>
             <a:r>
-              <a:rPr lang="en-US" dirty="0"/>
-              <a:t>Some of the available widget properties:</a:t>
-            </a:r>
-          </a:p>
-          <a:p>
-            <a:r>
-              <a:rPr lang="en-US" dirty="0"/>
-              <a:t>layout_alignTop – Aligns the top of this widget with the layout</a:t>
-            </a:r>
-          </a:p>
-          <a:p>
-            <a:r>
-              <a:rPr lang="en-US" dirty="0"/>
-              <a:t>layout_centerVertical – Centers this widget in the layout</a:t>
-            </a:r>
-          </a:p>
-          <a:p>
-            <a:r>
-              <a:rPr lang="en-US" dirty="0"/>
-              <a:t>layout below – Positions the top edge of this view below another widget</a:t>
-            </a:r>
+              <a:rPr lang="en-US" b="1" dirty="0"/>
+              <a:t>The orientation attribute for the </a:t>
+            </a:r>
+            <a:r>
+              <a:rPr lang="en-US" b="1" dirty="0" smtClean="0"/>
+              <a:t>layout:</a:t>
+            </a:r>
+            <a:endParaRPr lang="en-US" b="1" dirty="0"/>
+          </a:p>
+          <a:p>
+            <a:pPr marL="0" indent="0" algn="ctr">
+              <a:buNone/>
+            </a:pPr>
+            <a:r>
+              <a:rPr lang="en-US" dirty="0" err="1">
+                <a:latin typeface="Courier" charset="0"/>
+                <a:ea typeface="Courier" charset="0"/>
+                <a:cs typeface="Courier" charset="0"/>
+              </a:rPr>
+              <a:t>android:orientation</a:t>
+            </a:r>
+            <a:r>
+              <a:rPr lang="en-US" dirty="0">
+                <a:latin typeface="Courier" charset="0"/>
+                <a:ea typeface="Courier" charset="0"/>
+                <a:cs typeface="Courier" charset="0"/>
+              </a:rPr>
+              <a:t>="horizontal"</a:t>
+            </a:r>
+          </a:p>
+        </p:txBody>
+      </p:sp>
+      <p:pic>
+        <p:nvPicPr>
+          <p:cNvPr id="8" name="Picture 7"/>
+          <p:cNvPicPr/>
+          <p:nvPr/>
+        </p:nvPicPr>
+        <p:blipFill>
+          <a:blip r:embed="rId2">
+            <a:extLst>
+              <a:ext uri="{28A0092B-C50C-407E-A947-70E740481C1C}">
+                <a14:useLocalDpi xmlns:a14="http://schemas.microsoft.com/office/drawing/2010/main" val="0"/>
+              </a:ext>
+            </a:extLst>
+          </a:blip>
+          <a:stretch>
+            <a:fillRect/>
+          </a:stretch>
+        </p:blipFill>
+        <p:spPr>
+          <a:xfrm>
+            <a:off x="2536371" y="2678793"/>
+            <a:ext cx="3812540" cy="749300"/>
+          </a:xfrm>
+          <a:prstGeom prst="rect">
+            <a:avLst/>
+          </a:prstGeom>
+        </p:spPr>
+      </p:pic>
+      <p:sp>
+        <p:nvSpPr>
+          <p:cNvPr id="9" name="Date Placeholder 1"/>
+          <p:cNvSpPr>
+            <a:spLocks noGrp="1"/>
+          </p:cNvSpPr>
+          <p:nvPr>
+            <p:ph type="dt" sz="half" idx="10"/>
+          </p:nvPr>
+        </p:nvSpPr>
+        <p:spPr>
+          <a:xfrm>
+            <a:off x="443345" y="6227669"/>
+            <a:ext cx="3061855" cy="457200"/>
+          </a:xfrm>
+        </p:spPr>
+        <p:txBody>
+          <a:bodyPr/>
+          <a:lstStyle/>
+          <a:p>
+            <a:pPr>
+              <a:defRPr/>
+            </a:pPr>
+            <a:r>
+              <a:rPr lang="en-US" dirty="0" err="1" smtClean="0"/>
+              <a:t>Murach's</a:t>
+            </a:r>
+            <a:r>
+              <a:rPr lang="en-US" dirty="0" smtClean="0"/>
+              <a:t> Android Programming, C5</a:t>
+            </a:r>
+            <a:endParaRPr lang="en-US" dirty="0"/>
+          </a:p>
+        </p:txBody>
+      </p:sp>
+      <p:sp>
+        <p:nvSpPr>
+          <p:cNvPr id="10" name="Footer Placeholder 2"/>
+          <p:cNvSpPr>
+            <a:spLocks noGrp="1"/>
+          </p:cNvSpPr>
+          <p:nvPr>
+            <p:ph type="ftr" sz="quarter" idx="11"/>
+          </p:nvPr>
+        </p:nvSpPr>
+        <p:spPr>
+          <a:xfrm>
+            <a:off x="3505200" y="6227669"/>
+            <a:ext cx="5181600" cy="457200"/>
+          </a:xfrm>
+        </p:spPr>
+        <p:txBody>
+          <a:bodyPr/>
+          <a:lstStyle/>
+          <a:p>
+            <a:pPr>
+              <a:defRPr/>
+            </a:pPr>
+            <a:r>
+              <a:rPr lang="en-US" dirty="0" smtClean="0"/>
+              <a:t>© 2015, Mike Murach &amp; Associates, Inc., modified by Brian Bird 2016</a:t>
+            </a:r>
+            <a:endParaRPr lang="en-US" dirty="0"/>
           </a:p>
         </p:txBody>
       </p:sp>
     </p:spTree>
     <p:extLst>
       <p:ext uri="{BB962C8B-B14F-4D97-AF65-F5344CB8AC3E}">
-        <p14:creationId xmlns:p14="http://schemas.microsoft.com/office/powerpoint/2010/main" val="356838065"/>
+        <p14:creationId xmlns:p14="http://schemas.microsoft.com/office/powerpoint/2010/main" val="697557394"/>
       </p:ext>
     </p:extLst>
   </p:cSld>
@@ -5812,7 +7052,12 @@
             <p:ph type="title"/>
           </p:nvPr>
         </p:nvSpPr>
-        <p:spPr/>
+        <p:spPr>
+          <a:xfrm>
+            <a:off x="457200" y="457199"/>
+            <a:ext cx="8229600" cy="1502229"/>
+          </a:xfrm>
+        </p:spPr>
         <p:txBody>
           <a:bodyPr>
             <a:normAutofit fontScale="90000"/>
@@ -5820,9 +7065,13 @@
           <a:lstStyle/>
           <a:p>
             <a:r>
-              <a:rPr lang="en-US" dirty="0"/>
-              <a:t>Changing Layouts for Orientation</a:t>
-            </a:r>
+              <a:rPr lang="en-US" b="1" dirty="0"/>
+              <a:t>A horizontal layout where the buttons have equal weight</a:t>
+            </a:r>
+            <a:br>
+              <a:rPr lang="en-US" b="1" dirty="0"/>
+            </a:br>
+            <a:endParaRPr lang="en-US" dirty="0"/>
           </a:p>
         </p:txBody>
       </p:sp>
@@ -5836,81 +7085,195 @@
             <p:ph idx="1"/>
           </p:nvPr>
         </p:nvSpPr>
-        <p:spPr/>
+        <p:spPr>
+          <a:xfrm>
+            <a:off x="457200" y="3483429"/>
+            <a:ext cx="8229600" cy="2642734"/>
+          </a:xfrm>
+        </p:spPr>
         <p:txBody>
           <a:bodyPr/>
           <a:lstStyle/>
           <a:p>
-            <a:r>
-              <a:rPr lang="en-US" dirty="0"/>
-              <a:t>Portrait</a:t>
-            </a:r>
-          </a:p>
-          <a:p>
-            <a:pPr lvl="1"/>
-            <a:r>
-              <a:rPr lang="en-US" dirty="0"/>
-              <a:t>Default orientation</a:t>
-            </a:r>
-          </a:p>
-          <a:p>
-            <a:pPr lvl="1"/>
-            <a:r>
-              <a:rPr lang="en-US" dirty="0"/>
-              <a:t>Folder name: layout or layout-port</a:t>
-            </a:r>
-          </a:p>
-          <a:p>
-            <a:r>
-              <a:rPr lang="en-US" dirty="0"/>
-              <a:t>Landscape</a:t>
-            </a:r>
-          </a:p>
-          <a:p>
-            <a:pPr lvl="1"/>
-            <a:r>
-              <a:rPr lang="en-US" dirty="0"/>
-              <a:t>Folder name: layout-land</a:t>
-            </a:r>
-          </a:p>
-          <a:p>
-            <a:endParaRPr lang="en-US" dirty="0"/>
+            <a:pPr marL="0" indent="0" algn="ctr">
+              <a:buNone/>
+            </a:pPr>
+            <a:r>
+              <a:rPr lang="en-US" dirty="0">
+                <a:latin typeface="Calibri"/>
+                <a:cs typeface="Calibri"/>
+              </a:rPr>
+              <a:t>weight attribute for both buttons:</a:t>
+            </a:r>
+            <a:r>
+              <a:rPr lang="en-US" dirty="0">
+                <a:solidFill>
+                  <a:srgbClr val="2D2DB9"/>
+                </a:solidFill>
+                <a:latin typeface="Calibri"/>
+                <a:cs typeface="Calibri"/>
+              </a:rPr>
+              <a:t/>
+            </a:r>
+            <a:br>
+              <a:rPr lang="en-US" dirty="0">
+                <a:solidFill>
+                  <a:srgbClr val="2D2DB9"/>
+                </a:solidFill>
+                <a:latin typeface="Calibri"/>
+                <a:cs typeface="Calibri"/>
+              </a:rPr>
+            </a:br>
+            <a:r>
+              <a:rPr lang="en-US" sz="2800" b="1" dirty="0" err="1">
+                <a:solidFill>
+                  <a:srgbClr val="0000FF"/>
+                </a:solidFill>
+                <a:latin typeface="Courier" charset="0"/>
+                <a:ea typeface="Courier" charset="0"/>
+                <a:cs typeface="Courier" charset="0"/>
+              </a:rPr>
+              <a:t>android:layout_weight</a:t>
+            </a:r>
+            <a:r>
+              <a:rPr lang="en-US" sz="2800" b="1" dirty="0">
+                <a:solidFill>
+                  <a:srgbClr val="0000FF"/>
+                </a:solidFill>
+                <a:latin typeface="Courier" charset="0"/>
+                <a:ea typeface="Courier" charset="0"/>
+                <a:cs typeface="Courier" charset="0"/>
+              </a:rPr>
+              <a:t>=</a:t>
+            </a:r>
+            <a:r>
+              <a:rPr lang="en-US" sz="2800" b="1" dirty="0">
+                <a:solidFill>
+                  <a:srgbClr val="008000"/>
+                </a:solidFill>
+                <a:latin typeface="Courier" charset="0"/>
+                <a:ea typeface="Courier" charset="0"/>
+                <a:cs typeface="Courier" charset="0"/>
+              </a:rPr>
+              <a:t>"1</a:t>
+            </a:r>
+            <a:r>
+              <a:rPr lang="en-US" sz="2800" b="1" dirty="0" smtClean="0">
+                <a:solidFill>
+                  <a:srgbClr val="008000"/>
+                </a:solidFill>
+                <a:latin typeface="Courier" charset="0"/>
+                <a:ea typeface="Courier" charset="0"/>
+                <a:cs typeface="Courier" charset="0"/>
+              </a:rPr>
+              <a:t>"</a:t>
+            </a:r>
+            <a:endParaRPr lang="en-US" sz="2800" dirty="0">
+              <a:latin typeface="Courier" charset="0"/>
+              <a:ea typeface="Courier" charset="0"/>
+              <a:cs typeface="Courier" charset="0"/>
+            </a:endParaRPr>
           </a:p>
         </p:txBody>
       </p:sp>
       <p:pic>
         <p:nvPicPr>
           <p:cNvPr id="4" name="Picture 3"/>
-          <p:cNvPicPr>
-            <a:picLocks noChangeAspect="1"/>
-          </p:cNvPicPr>
+          <p:cNvPicPr/>
           <p:nvPr/>
         </p:nvPicPr>
         <p:blipFill>
-          <a:blip r:embed="rId2"/>
+          <a:blip r:embed="rId2">
+            <a:extLst>
+              <a:ext uri="{28A0092B-C50C-407E-A947-70E740481C1C}">
+                <a14:useLocalDpi xmlns:a14="http://schemas.microsoft.com/office/drawing/2010/main" val="0"/>
+              </a:ext>
+            </a:extLst>
+          </a:blip>
           <a:stretch>
             <a:fillRect/>
           </a:stretch>
         </p:blipFill>
         <p:spPr>
           <a:xfrm>
-            <a:off x="6584373" y="2418772"/>
-            <a:ext cx="1943100" cy="2921000"/>
+            <a:off x="2683827" y="2565972"/>
+            <a:ext cx="3776345" cy="804545"/>
           </a:xfrm>
           <a:prstGeom prst="rect">
             <a:avLst/>
           </a:prstGeom>
-          <a:solidFill>
-            <a:schemeClr val="tx2">
-              <a:lumMod val="50000"/>
-            </a:schemeClr>
-          </a:solidFill>
         </p:spPr>
       </p:pic>
+      <p:sp>
+        <p:nvSpPr>
+          <p:cNvPr id="5" name="Date Placeholder 1"/>
+          <p:cNvSpPr>
+            <a:spLocks noGrp="1"/>
+          </p:cNvSpPr>
+          <p:nvPr>
+            <p:ph type="dt" sz="half" idx="10"/>
+          </p:nvPr>
+        </p:nvSpPr>
+        <p:spPr>
+          <a:xfrm>
+            <a:off x="443345" y="6227669"/>
+            <a:ext cx="3061855" cy="457200"/>
+          </a:xfrm>
+        </p:spPr>
+        <p:txBody>
+          <a:bodyPr/>
+          <a:lstStyle/>
+          <a:p>
+            <a:pPr>
+              <a:defRPr/>
+            </a:pPr>
+            <a:r>
+              <a:rPr lang="en-US" dirty="0" err="1" smtClean="0"/>
+              <a:t>Murach's</a:t>
+            </a:r>
+            <a:r>
+              <a:rPr lang="en-US" dirty="0" smtClean="0"/>
+              <a:t> Android Programming, C5</a:t>
+            </a:r>
+            <a:endParaRPr lang="en-US" dirty="0"/>
+          </a:p>
+        </p:txBody>
+      </p:sp>
+      <p:sp>
+        <p:nvSpPr>
+          <p:cNvPr id="6" name="Footer Placeholder 2"/>
+          <p:cNvSpPr>
+            <a:spLocks noGrp="1"/>
+          </p:cNvSpPr>
+          <p:nvPr>
+            <p:ph type="ftr" sz="quarter" idx="11"/>
+          </p:nvPr>
+        </p:nvSpPr>
+        <p:spPr>
+          <a:xfrm>
+            <a:off x="3505200" y="6227669"/>
+            <a:ext cx="5181600" cy="457200"/>
+          </a:xfrm>
+        </p:spPr>
+        <p:txBody>
+          <a:bodyPr/>
+          <a:lstStyle/>
+          <a:p>
+            <a:pPr>
+              <a:defRPr/>
+            </a:pPr>
+            <a:r>
+              <a:rPr lang="en-US" dirty="0" smtClean="0"/>
+              <a:t>© 2015, Mike Murach &amp; Associates, Inc., modified by Brian Bird 2016</a:t>
+            </a:r>
+            <a:endParaRPr lang="en-US" dirty="0"/>
+          </a:p>
+        </p:txBody>
+      </p:sp>
     </p:spTree>
     <p:extLst>
       <p:ext uri="{BB962C8B-B14F-4D97-AF65-F5344CB8AC3E}">
-        <p14:creationId xmlns:p14="http://schemas.microsoft.com/office/powerpoint/2010/main" val="1360863398"/>
+        <p14:creationId xmlns:p14="http://schemas.microsoft.com/office/powerpoint/2010/main" val="1466295166"/>
       </p:ext>
     </p:extLst>
   </p:cSld>

--- a/Notes and Slides/Wk5Day1-UI Layouts.pptx
+++ b/Notes and Slides/Wk5Day1-UI Layouts.pptx
@@ -152,7 +152,7 @@
       </p14:sectionLst>
     </p:ext>
     <p:ext uri="{EFAFB233-063F-42B5-8137-9DF3F51BA10A}">
-      <p15:sldGuideLst xmlns:p15="http://schemas.microsoft.com/office/powerpoint/2012/main">
+      <p15:sldGuideLst xmlns="" xmlns:p15="http://schemas.microsoft.com/office/powerpoint/2012/main">
         <p15:guide id="1" orient="horz" pos="2160">
           <p15:clr>
             <a:srgbClr val="A4A3A4"/>
@@ -4087,7 +4087,7 @@
   <p:timing>
     <p:tnLst>
       <p:par>
-        <p:cTn id="1" dur="indefinite" restart="never" nodeType="tmRoot"/>
+        <p:cTn xmlns:p14="http://schemas.microsoft.com/office/powerpoint/2010/main" id="1" dur="indefinite" restart="never" nodeType="tmRoot"/>
       </p:par>
     </p:tnLst>
   </p:timing>
@@ -5182,14 +5182,14 @@
             <p:ph sz="half" idx="1"/>
             <p:extLst>
               <p:ext uri="{D42A27DB-BD31-4B8C-83A1-F6EECF244321}">
-                <p14:modId xmlns:p14="http://schemas.microsoft.com/office/powerpoint/2010/main" val="3962588837"/>
+                <p14:modId xmlns:p14="http://schemas.microsoft.com/office/powerpoint/2010/main" val="3093013348"/>
               </p:ext>
             </p:extLst>
           </p:nvPr>
         </p:nvGraphicFramePr>
         <p:xfrm>
           <a:off x="356277" y="2033752"/>
-          <a:ext cx="3991801" cy="4298238"/>
+          <a:ext cx="3991801" cy="4298237"/>
         </p:xfrm>
         <a:graphic>
           <a:graphicData uri="http://schemas.openxmlformats.org/drawingml/2006/table">
@@ -5415,7 +5415,7 @@
                     <a:noFill/>
                   </a:tcPr>
                 </a:tc>
-                <a:tc>
+                <a:tc rowSpan="2">
                   <a:txBody>
                     <a:bodyPr/>
                     <a:lstStyle/>
@@ -5474,7 +5474,7 @@
                     </a:solidFill>
                   </a:tcPr>
                 </a:tc>
-                <a:tc>
+                <a:tc vMerge="1">
                   <a:txBody>
                     <a:bodyPr/>
                     <a:lstStyle/>
@@ -5496,14 +5496,6 @@
                         <a:tabLst/>
                         <a:defRPr/>
                       </a:pPr>
-                      <a:r>
-                        <a:rPr lang="en-US" sz="2800" dirty="0" smtClean="0"/>
-                        <a:t>Layouts + </a:t>
-                      </a:r>
-                      <a:r>
-                        <a:rPr lang="en-US" sz="2800" baseline="0" dirty="0" smtClean="0"/>
-                        <a:t>orientation</a:t>
-                      </a:r>
                       <a:endParaRPr lang="en-US" sz="2800" dirty="0" smtClean="0"/>
                     </a:p>
                   </a:txBody>
@@ -5530,14 +5522,14 @@
             <p:ph sz="half" idx="2"/>
             <p:extLst>
               <p:ext uri="{D42A27DB-BD31-4B8C-83A1-F6EECF244321}">
-                <p14:modId xmlns:p14="http://schemas.microsoft.com/office/powerpoint/2010/main" val="2548745757"/>
+                <p14:modId xmlns:p14="http://schemas.microsoft.com/office/powerpoint/2010/main" val="3962554551"/>
               </p:ext>
             </p:extLst>
           </p:nvPr>
         </p:nvGraphicFramePr>
         <p:xfrm>
           <a:off x="4507872" y="2033752"/>
-          <a:ext cx="4297617" cy="4289142"/>
+          <a:ext cx="4297617" cy="4291762"/>
         </p:xfrm>
         <a:graphic>
           <a:graphicData uri="http://schemas.openxmlformats.org/drawingml/2006/table">
@@ -5579,7 +5571,7 @@
                   <a:tcPr/>
                 </a:tc>
               </a:tr>
-              <a:tr h="957676">
+              <a:tr h="783339">
                 <a:tc>
                   <a:txBody>
                     <a:bodyPr/>
@@ -5618,14 +5610,19 @@
                       </a:pPr>
                       <a:r>
                         <a:rPr lang="en-US" sz="2800" dirty="0" smtClean="0"/>
-                        <a:t>Adapting to size and orientation: fragments</a:t>
+                        <a:t>Layouts + </a:t>
                       </a:r>
+                      <a:r>
+                        <a:rPr lang="en-US" sz="2800" baseline="0" dirty="0" smtClean="0"/>
+                        <a:t>orientation</a:t>
+                      </a:r>
+                      <a:endParaRPr lang="en-US" sz="2800" dirty="0" smtClean="0"/>
                     </a:p>
                   </a:txBody>
                   <a:tcPr/>
                 </a:tc>
               </a:tr>
-              <a:tr h="525177">
+              <a:tr h="948426">
                 <a:tc>
                   <a:txBody>
                     <a:bodyPr/>
@@ -5664,14 +5661,14 @@
                       </a:pPr>
                       <a:r>
                         <a:rPr lang="en-US" sz="2800" dirty="0" smtClean="0"/>
-                        <a:t>Managing data: SQLite</a:t>
+                        <a:t>Adapting to size and orientation: fragments</a:t>
                       </a:r>
                     </a:p>
                   </a:txBody>
                   <a:tcPr/>
                 </a:tc>
               </a:tr>
-              <a:tr h="957676">
+              <a:tr h="578700">
                 <a:tc>
                   <a:txBody>
                     <a:bodyPr/>
@@ -5710,7 +5707,7 @@
                       </a:pPr>
                       <a:r>
                         <a:rPr lang="en-US" sz="2800" dirty="0" smtClean="0"/>
-                        <a:t>Consuming web services</a:t>
+                        <a:t>Managing data: SQLite</a:t>
                       </a:r>
                     </a:p>
                   </a:txBody>
@@ -5756,14 +5753,14 @@
                       </a:pPr>
                       <a:r>
                         <a:rPr lang="en-US" sz="2800" dirty="0" smtClean="0"/>
-                        <a:t>Geolocation</a:t>
+                        <a:t>Consuming web services</a:t>
                       </a:r>
                     </a:p>
                   </a:txBody>
                   <a:tcPr/>
                 </a:tc>
               </a:tr>
-              <a:tr h="957676">
+              <a:tr h="670658">
                 <a:tc>
                   <a:txBody>
                     <a:bodyPr/>
@@ -5801,16 +5798,8 @@
                         <a:defRPr/>
                       </a:pPr>
                       <a:r>
-                        <a:rPr lang="en-US" sz="2800" dirty="0" smtClean="0"/>
-                        <a:t>Publishing</a:t>
-                      </a:r>
-                      <a:r>
-                        <a:rPr lang="en-US" sz="2800" baseline="0" dirty="0" smtClean="0"/>
-                        <a:t> to </a:t>
-                      </a:r>
-                      <a:r>
-                        <a:rPr lang="en-US" sz="2800" dirty="0" smtClean="0"/>
-                        <a:t>the Google Play Store</a:t>
+                        <a:rPr lang="en-US" sz="2800" dirty="0" err="1" smtClean="0"/>
+                        <a:t>Geolocation</a:t>
                       </a:r>
                       <a:endParaRPr lang="en-US" sz="2800" dirty="0" smtClean="0"/>
                     </a:p>
@@ -5835,7 +5824,7 @@
   <p:timing>
     <p:tnLst>
       <p:par>
-        <p:cTn id="1" dur="indefinite" restart="never" nodeType="tmRoot"/>
+        <p:cTn xmlns:p14="http://schemas.microsoft.com/office/powerpoint/2010/main" id="1" dur="indefinite" restart="never" nodeType="tmRoot"/>
       </p:par>
     </p:tnLst>
   </p:timing>
